--- a/public/SoC DFT 2016.pptx
+++ b/public/SoC DFT 2016.pptx
@@ -4597,7 +4597,7 @@
                   <a:srgbClr val="434343"/>
                 </a:solidFill>
               </a:rPr>
-              <a:t>Background - Anna Chang</a:t>
+              <a:t>Background - Chingwen Anna Chang</a:t>
             </a:r>
           </a:p>
         </p:txBody>
@@ -4612,8 +4612,8 @@
         </p:nvSpPr>
         <p:spPr>
           <a:xfrm>
-            <a:off x="311700" y="1152475"/>
-            <a:ext cx="8520600" cy="3624300"/>
+            <a:off x="311700" y="1017725"/>
+            <a:ext cx="8520600" cy="3759000"/>
           </a:xfrm>
           <a:prstGeom prst="rect">
             <a:avLst/>
@@ -4873,6 +4873,26 @@
             <a:r>
               <a:rPr lang="en" sz="1200"/>
               <a:t>Perl, Python, Make, Tcl/tk, Java, C/C++, J2EE(Spring, Hibernate, JDBC), HTML, CSS, JavaScript (Selenium, AJAX, JQuery, Node.js), XML/JSON, Linux/Unix (bash/csh/tcsh), Apache, SQL/MySQL, PHP</a:t>
+            </a:r>
+          </a:p>
+          <a:p>
+            <a:pPr indent="-304800" lvl="0" marL="457200" rtl="0">
+              <a:spcBef>
+                <a:spcPts val="0"/>
+              </a:spcBef>
+              <a:buSzPct val="100000"/>
+            </a:pPr>
+            <a:r>
+              <a:rPr b="1" lang="en" sz="1200">
+                <a:solidFill>
+                  <a:srgbClr val="1C4587"/>
+                </a:solidFill>
+              </a:rPr>
+              <a:t>Patents : </a:t>
+            </a:r>
+            <a:r>
+              <a:rPr lang="en" sz="1200"/>
+              <a:t>US8446161 (May, 2013)  US7499519 (Mar, 2009)  US 7545666 (Jun. 2009)</a:t>
             </a:r>
           </a:p>
           <a:p>
